--- a/projects/ERP Integration/Proposal for System Integraiton.pptx
+++ b/projects/ERP Integration/Proposal for System Integraiton.pptx
@@ -139,6 +139,9 @@
           </p15:clr>
         </p15:guide>
       </p15:sldGuideLst>
+    </p:ext>
+    <p:ext uri="{2D200454-40CA-4A62-9FC3-DE9A4176ACB9}">
+      <p15:notesGuideLst xmlns:p15="http://schemas.microsoft.com/office/powerpoint/2012/main"/>
     </p:ext>
   </p:extLst>
 </p:presentation>
@@ -1139,6 +1142,13 @@
         </dgm:presLayoutVars>
       </dgm:prSet>
       <dgm:spPr/>
+      <dgm:t>
+        <a:bodyPr/>
+        <a:lstStyle/>
+        <a:p>
+          <a:endParaRPr lang="zh-CN" altLang="en-US"/>
+        </a:p>
+      </dgm:t>
     </dgm:pt>
     <dgm:pt modelId="{BBEA7F4F-8BC6-43F5-B510-5AE1B700038C}" type="pres">
       <dgm:prSet presAssocID="{E91CEA08-8E01-445D-AB57-FA03502DEB34}" presName="matrix" presStyleCnt="0"/>
@@ -1147,6 +1157,13 @@
     <dgm:pt modelId="{63F6AE9F-AE67-45A9-968A-1FDBD84CD328}" type="pres">
       <dgm:prSet presAssocID="{E91CEA08-8E01-445D-AB57-FA03502DEB34}" presName="tile1" presStyleLbl="node1" presStyleIdx="0" presStyleCnt="4"/>
       <dgm:spPr/>
+      <dgm:t>
+        <a:bodyPr/>
+        <a:lstStyle/>
+        <a:p>
+          <a:endParaRPr lang="zh-CN" altLang="en-US"/>
+        </a:p>
+      </dgm:t>
     </dgm:pt>
     <dgm:pt modelId="{54BE3E06-0A61-4D12-98F8-DE3A771B201B}" type="pres">
       <dgm:prSet presAssocID="{E91CEA08-8E01-445D-AB57-FA03502DEB34}" presName="tile1text" presStyleLbl="node1" presStyleIdx="0" presStyleCnt="4">
@@ -1157,10 +1174,24 @@
         </dgm:presLayoutVars>
       </dgm:prSet>
       <dgm:spPr/>
+      <dgm:t>
+        <a:bodyPr/>
+        <a:lstStyle/>
+        <a:p>
+          <a:endParaRPr lang="zh-CN" altLang="en-US"/>
+        </a:p>
+      </dgm:t>
     </dgm:pt>
     <dgm:pt modelId="{3B28037B-5B67-412A-8D1C-287F757F2674}" type="pres">
       <dgm:prSet presAssocID="{E91CEA08-8E01-445D-AB57-FA03502DEB34}" presName="tile2" presStyleLbl="node1" presStyleIdx="1" presStyleCnt="4"/>
       <dgm:spPr/>
+      <dgm:t>
+        <a:bodyPr/>
+        <a:lstStyle/>
+        <a:p>
+          <a:endParaRPr lang="zh-CN" altLang="en-US"/>
+        </a:p>
+      </dgm:t>
     </dgm:pt>
     <dgm:pt modelId="{D394DF63-9E62-4260-B9BA-F7224806644E}" type="pres">
       <dgm:prSet presAssocID="{E91CEA08-8E01-445D-AB57-FA03502DEB34}" presName="tile2text" presStyleLbl="node1" presStyleIdx="1" presStyleCnt="4">
@@ -1171,6 +1202,13 @@
         </dgm:presLayoutVars>
       </dgm:prSet>
       <dgm:spPr/>
+      <dgm:t>
+        <a:bodyPr/>
+        <a:lstStyle/>
+        <a:p>
+          <a:endParaRPr lang="zh-CN" altLang="en-US"/>
+        </a:p>
+      </dgm:t>
     </dgm:pt>
     <dgm:pt modelId="{20210030-4E5B-451B-AEC6-1A5EA8F2E0D3}" type="pres">
       <dgm:prSet presAssocID="{E91CEA08-8E01-445D-AB57-FA03502DEB34}" presName="tile3" presStyleLbl="node1" presStyleIdx="2" presStyleCnt="4"/>
@@ -1247,19 +1285,19 @@
   </dgm:ptLst>
   <dgm:cxnLst>
     <dgm:cxn modelId="{4F5FDE3B-D7DF-4231-A783-4ACE54CE77AB}" type="presOf" srcId="{19D52D7F-308C-4C47-A9A8-A264CC598E79}" destId="{3B28037B-5B67-412A-8D1C-287F757F2674}" srcOrd="0" destOrd="0" presId="urn:microsoft.com/office/officeart/2005/8/layout/matrix1"/>
-    <dgm:cxn modelId="{DB4EA527-DA1A-4CF1-88E7-1DE816214E5A}" type="presOf" srcId="{E91CEA08-8E01-445D-AB57-FA03502DEB34}" destId="{46259AC7-8E59-40E5-A791-6BBCF9CA4099}" srcOrd="0" destOrd="0" presId="urn:microsoft.com/office/officeart/2005/8/layout/matrix1"/>
-    <dgm:cxn modelId="{5AB31B83-AF72-4EB5-B973-0EB482780051}" type="presOf" srcId="{10DA069C-1E8A-4EF8-A497-DF2A577A9D1A}" destId="{20210030-4E5B-451B-AEC6-1A5EA8F2E0D3}" srcOrd="0" destOrd="0" presId="urn:microsoft.com/office/officeart/2005/8/layout/matrix1"/>
-    <dgm:cxn modelId="{83DE0B9E-DAFB-457E-AB09-3AE07BA4DBD5}" type="presOf" srcId="{10DA069C-1E8A-4EF8-A497-DF2A577A9D1A}" destId="{74CB284B-5BC2-4841-BB0C-B6493B09A8E4}" srcOrd="1" destOrd="0" presId="urn:microsoft.com/office/officeart/2005/8/layout/matrix1"/>
-    <dgm:cxn modelId="{3E1D7228-CDAA-4EE3-9DD2-239F67E34843}" type="presOf" srcId="{72C51DD8-6F32-411B-8409-4FBC8266894F}" destId="{63F6AE9F-AE67-45A9-968A-1FDBD84CD328}" srcOrd="0" destOrd="0" presId="urn:microsoft.com/office/officeart/2005/8/layout/matrix1"/>
     <dgm:cxn modelId="{5124D0F5-54FD-4327-8921-28EB8BB0D3F4}" srcId="{E91CEA08-8E01-445D-AB57-FA03502DEB34}" destId="{BF9BF8B7-ED31-4E89-8910-CAD13A386131}" srcOrd="0" destOrd="0" parTransId="{F8BBFCCD-EED3-40C6-904F-3B6A540258C3}" sibTransId="{A8E26846-9E3C-4ECD-AFF6-218335505B70}"/>
     <dgm:cxn modelId="{F8CBADF2-B77C-4398-8B27-B3BEDAEF4C3A}" type="presOf" srcId="{33188134-5EBE-474F-98F4-2F6880B09E92}" destId="{975DCBAF-11A6-4670-BFFE-B33115C5A716}" srcOrd="1" destOrd="0" presId="urn:microsoft.com/office/officeart/2005/8/layout/matrix1"/>
+    <dgm:cxn modelId="{E3865731-9BBA-49EB-BD2D-5E2B090DD320}" srcId="{BF9BF8B7-ED31-4E89-8910-CAD13A386131}" destId="{33188134-5EBE-474F-98F4-2F6880B09E92}" srcOrd="3" destOrd="0" parTransId="{DF1749D1-08CD-4B05-A0BC-28EDDB5463AB}" sibTransId="{F6BF349B-7BC1-4695-9AFA-51ABA559DB18}"/>
+    <dgm:cxn modelId="{83DE0B9E-DAFB-457E-AB09-3AE07BA4DBD5}" type="presOf" srcId="{10DA069C-1E8A-4EF8-A497-DF2A577A9D1A}" destId="{74CB284B-5BC2-4841-BB0C-B6493B09A8E4}" srcOrd="1" destOrd="0" presId="urn:microsoft.com/office/officeart/2005/8/layout/matrix1"/>
+    <dgm:cxn modelId="{6F40EEB5-01D0-4595-AE35-E3CA2622CADF}" srcId="{BF9BF8B7-ED31-4E89-8910-CAD13A386131}" destId="{10DA069C-1E8A-4EF8-A497-DF2A577A9D1A}" srcOrd="2" destOrd="0" parTransId="{7B1C1075-4096-410B-9758-8E7B6BB31F23}" sibTransId="{97BF9E82-795F-40FA-9AFA-E72798F9E59F}"/>
+    <dgm:cxn modelId="{5AB31B83-AF72-4EB5-B973-0EB482780051}" type="presOf" srcId="{10DA069C-1E8A-4EF8-A497-DF2A577A9D1A}" destId="{20210030-4E5B-451B-AEC6-1A5EA8F2E0D3}" srcOrd="0" destOrd="0" presId="urn:microsoft.com/office/officeart/2005/8/layout/matrix1"/>
     <dgm:cxn modelId="{620619EF-2BC3-4342-A2C8-600CBCC3229A}" type="presOf" srcId="{19D52D7F-308C-4C47-A9A8-A264CC598E79}" destId="{D394DF63-9E62-4260-B9BA-F7224806644E}" srcOrd="1" destOrd="0" presId="urn:microsoft.com/office/officeart/2005/8/layout/matrix1"/>
+    <dgm:cxn modelId="{DB4EA527-DA1A-4CF1-88E7-1DE816214E5A}" type="presOf" srcId="{E91CEA08-8E01-445D-AB57-FA03502DEB34}" destId="{46259AC7-8E59-40E5-A791-6BBCF9CA4099}" srcOrd="0" destOrd="0" presId="urn:microsoft.com/office/officeart/2005/8/layout/matrix1"/>
     <dgm:cxn modelId="{85A1E532-C957-4F3A-9113-DEA24601A5EA}" srcId="{BF9BF8B7-ED31-4E89-8910-CAD13A386131}" destId="{19D52D7F-308C-4C47-A9A8-A264CC598E79}" srcOrd="1" destOrd="0" parTransId="{4598EFE6-B141-4B17-AB62-DB581EA77581}" sibTransId="{C0C96861-AE26-4A60-9211-ADEDC7525E71}"/>
-    <dgm:cxn modelId="{E3865731-9BBA-49EB-BD2D-5E2B090DD320}" srcId="{BF9BF8B7-ED31-4E89-8910-CAD13A386131}" destId="{33188134-5EBE-474F-98F4-2F6880B09E92}" srcOrd="3" destOrd="0" parTransId="{DF1749D1-08CD-4B05-A0BC-28EDDB5463AB}" sibTransId="{F6BF349B-7BC1-4695-9AFA-51ABA559DB18}"/>
-    <dgm:cxn modelId="{ACB64B97-3540-425A-8517-0D7FF9A4D35C}" type="presOf" srcId="{33188134-5EBE-474F-98F4-2F6880B09E92}" destId="{7764CE79-B790-413C-9885-6243966FD676}" srcOrd="0" destOrd="0" presId="urn:microsoft.com/office/officeart/2005/8/layout/matrix1"/>
+    <dgm:cxn modelId="{3E1D7228-CDAA-4EE3-9DD2-239F67E34843}" type="presOf" srcId="{72C51DD8-6F32-411B-8409-4FBC8266894F}" destId="{63F6AE9F-AE67-45A9-968A-1FDBD84CD328}" srcOrd="0" destOrd="0" presId="urn:microsoft.com/office/officeart/2005/8/layout/matrix1"/>
     <dgm:cxn modelId="{E45B0989-36D2-4B1B-B4F3-4D93740C528D}" srcId="{BF9BF8B7-ED31-4E89-8910-CAD13A386131}" destId="{72C51DD8-6F32-411B-8409-4FBC8266894F}" srcOrd="0" destOrd="0" parTransId="{DF77E755-3F2A-4F94-91FB-5E51507B8621}" sibTransId="{CAD4108A-AEC3-4AE5-B57E-E4D9236AB907}"/>
     <dgm:cxn modelId="{7359BA71-00C1-4F19-B190-34CF26BB663F}" type="presOf" srcId="{72C51DD8-6F32-411B-8409-4FBC8266894F}" destId="{54BE3E06-0A61-4D12-98F8-DE3A771B201B}" srcOrd="1" destOrd="0" presId="urn:microsoft.com/office/officeart/2005/8/layout/matrix1"/>
-    <dgm:cxn modelId="{6F40EEB5-01D0-4595-AE35-E3CA2622CADF}" srcId="{BF9BF8B7-ED31-4E89-8910-CAD13A386131}" destId="{10DA069C-1E8A-4EF8-A497-DF2A577A9D1A}" srcOrd="2" destOrd="0" parTransId="{7B1C1075-4096-410B-9758-8E7B6BB31F23}" sibTransId="{97BF9E82-795F-40FA-9AFA-E72798F9E59F}"/>
+    <dgm:cxn modelId="{ACB64B97-3540-425A-8517-0D7FF9A4D35C}" type="presOf" srcId="{33188134-5EBE-474F-98F4-2F6880B09E92}" destId="{7764CE79-B790-413C-9885-6243966FD676}" srcOrd="0" destOrd="0" presId="urn:microsoft.com/office/officeart/2005/8/layout/matrix1"/>
     <dgm:cxn modelId="{25CC3840-6DED-41D0-A89E-0C087A96F4CF}" type="presOf" srcId="{BF9BF8B7-ED31-4E89-8910-CAD13A386131}" destId="{F71FE5E0-F719-475A-A732-88FF4E1A2F56}" srcOrd="0" destOrd="0" presId="urn:microsoft.com/office/officeart/2005/8/layout/matrix1"/>
     <dgm:cxn modelId="{9B0DA751-3906-4161-A3E1-8B2C963F86E6}" type="presParOf" srcId="{46259AC7-8E59-40E5-A791-6BBCF9CA4099}" destId="{BBEA7F4F-8BC6-43F5-B510-5AE1B700038C}" srcOrd="0" destOrd="0" presId="urn:microsoft.com/office/officeart/2005/8/layout/matrix1"/>
     <dgm:cxn modelId="{B703680E-9F10-4B22-9F95-64942762F351}" type="presParOf" srcId="{BBEA7F4F-8BC6-43F5-B510-5AE1B700038C}" destId="{63F6AE9F-AE67-45A9-968A-1FDBD84CD328}" srcOrd="0" destOrd="0" presId="urn:microsoft.com/office/officeart/2005/8/layout/matrix1"/>
@@ -3419,7 +3457,7 @@
           <a:p>
             <a:fld id="{00209D9C-0F80-4B18-9111-18548047FFB3}" type="datetimeFigureOut">
               <a:rPr lang="zh-CN" altLang="en-US" smtClean="0"/>
-              <a:t>2018/11/9</a:t>
+              <a:t>2018/11/12</a:t>
             </a:fld>
             <a:endParaRPr lang="zh-CN" altLang="en-US"/>
           </a:p>
@@ -3584,7 +3622,7 @@
           <a:p>
             <a:fld id="{FE858351-3EB1-4F39-A2D0-CA5768308CE6}" type="datetimeFigureOut">
               <a:rPr lang="zh-CN" altLang="en-US" smtClean="0"/>
-              <a:t>2018/11/9</a:t>
+              <a:t>2018/11/12</a:t>
             </a:fld>
             <a:endParaRPr lang="zh-CN" altLang="en-US"/>
           </a:p>
@@ -8599,7 +8637,7 @@
           <p:spPr>
             <a:xfrm>
               <a:off x="1826940" y="2490017"/>
-              <a:ext cx="4024500" cy="369332"/>
+              <a:ext cx="4204036" cy="369332"/>
             </a:xfrm>
             <a:prstGeom prst="rect">
               <a:avLst/>
@@ -8614,7 +8652,11 @@
             <a:p>
               <a:r>
                 <a:rPr lang="en-US" altLang="zh-CN" dirty="0" smtClean="0"/>
-                <a:t>Transaction Data Post (Web Service Call)</a:t>
+                <a:t>Transactional </a:t>
+              </a:r>
+              <a:r>
+                <a:rPr lang="en-US" altLang="zh-CN" dirty="0" smtClean="0"/>
+                <a:t>Data Post (Web Service Call)</a:t>
               </a:r>
               <a:endParaRPr lang="zh-CN" altLang="en-US" dirty="0"/>
             </a:p>
@@ -9274,7 +9316,11 @@
           <a:p>
             <a:r>
               <a:rPr lang="en-US" altLang="zh-CN" sz="1000" dirty="0" smtClean="0"/>
-              <a:t>Front Server</a:t>
+              <a:t>Integration </a:t>
+            </a:r>
+            <a:r>
+              <a:rPr lang="en-US" altLang="zh-CN" sz="1000" dirty="0" smtClean="0"/>
+              <a:t>Server</a:t>
             </a:r>
             <a:endParaRPr lang="zh-CN" altLang="en-US" sz="1000" dirty="0"/>
           </a:p>
@@ -10431,7 +10477,7 @@
           <p:spPr>
             <a:xfrm>
               <a:off x="2325630" y="2551572"/>
-              <a:ext cx="3182474" cy="307777"/>
+              <a:ext cx="3312317" cy="307777"/>
             </a:xfrm>
             <a:prstGeom prst="rect">
               <a:avLst/>
@@ -10446,7 +10492,11 @@
             <a:p>
               <a:r>
                 <a:rPr lang="en-US" altLang="zh-CN" sz="1400" dirty="0" smtClean="0"/>
-                <a:t>Transaction Data Post (Web Service Call)</a:t>
+                <a:t>Transactional </a:t>
+              </a:r>
+              <a:r>
+                <a:rPr lang="en-US" altLang="zh-CN" sz="1400" dirty="0" smtClean="0"/>
+                <a:t>Data Post (Web Service Call)</a:t>
               </a:r>
               <a:endParaRPr lang="zh-CN" altLang="en-US" sz="1400" dirty="0"/>
             </a:p>
@@ -12272,7 +12322,11 @@
           <a:p>
             <a:r>
               <a:rPr lang="en-US" altLang="zh-CN" sz="1000" dirty="0" smtClean="0"/>
-              <a:t>Front Server</a:t>
+              <a:t>Integration </a:t>
+            </a:r>
+            <a:r>
+              <a:rPr lang="en-US" altLang="zh-CN" sz="1000" dirty="0" smtClean="0"/>
+              <a:t>Server</a:t>
             </a:r>
             <a:endParaRPr lang="zh-CN" altLang="en-US" sz="1000" dirty="0"/>
           </a:p>
@@ -13578,7 +13632,7 @@
           <p:spPr>
             <a:xfrm>
               <a:off x="2592322" y="2532549"/>
-              <a:ext cx="3182474" cy="307777"/>
+              <a:ext cx="3312317" cy="307777"/>
             </a:xfrm>
             <a:prstGeom prst="rect">
               <a:avLst/>
@@ -13592,8 +13646,12 @@
             <a:lstStyle/>
             <a:p>
               <a:r>
+                <a:rPr lang="en-US" altLang="zh-CN" sz="1400" smtClean="0"/>
+                <a:t>Transactional </a:t>
+              </a:r>
+              <a:r>
                 <a:rPr lang="en-US" altLang="zh-CN" sz="1400" dirty="0" smtClean="0"/>
-                <a:t>Transaction Data Post (Web Service Call)</a:t>
+                <a:t>Data Post (Web Service Call)</a:t>
               </a:r>
               <a:endParaRPr lang="zh-CN" altLang="en-US" sz="1400" dirty="0"/>
             </a:p>
@@ -15404,11 +15462,11 @@
   <p:clrMapOvr>
     <a:masterClrMapping/>
   </p:clrMapOvr>
-  <mc:AlternateContent xmlns:mc="http://schemas.openxmlformats.org/markup-compatibility/2006">
-    <mc:Choice xmlns:p14="http://schemas.microsoft.com/office/powerpoint/2010/main" Requires="p14">
+  <mc:AlternateContent xmlns:mc="http://schemas.openxmlformats.org/markup-compatibility/2006" xmlns:p14="http://schemas.microsoft.com/office/powerpoint/2010/main">
+    <mc:Choice Requires="p14">
       <p:transition spd="slow" p14:dur="2000"/>
     </mc:Choice>
-    <mc:Fallback>
+    <mc:Fallback xmlns="">
       <p:transition spd="slow"/>
     </mc:Fallback>
   </mc:AlternateContent>
@@ -15661,12 +15719,37 @@
               <a:rPr lang="en-US" altLang="zh-CN" sz="1800" b="1" dirty="0" smtClean="0"/>
               <a:t>Goals</a:t>
             </a:r>
+            <a:endParaRPr lang="en-US" altLang="zh-CN" sz="1800" b="1" dirty="0" smtClean="0"/>
           </a:p>
           <a:p>
             <a:pPr lvl="1"/>
             <a:r>
               <a:rPr lang="en-US" altLang="zh-CN" sz="1600" dirty="0" smtClean="0"/>
-              <a:t>To research and address the most common master data that will be consumed by </a:t>
+              <a:t>To </a:t>
+            </a:r>
+            <a:r>
+              <a:rPr lang="en-US" altLang="zh-CN" sz="1600" dirty="0" smtClean="0"/>
+              <a:t>handle the </a:t>
+            </a:r>
+            <a:r>
+              <a:rPr lang="en-US" altLang="zh-CN" sz="1600" dirty="0" smtClean="0"/>
+              <a:t>most </a:t>
+            </a:r>
+            <a:r>
+              <a:rPr lang="en-US" altLang="zh-CN" sz="1600" dirty="0" smtClean="0"/>
+              <a:t>common and important </a:t>
+            </a:r>
+            <a:r>
+              <a:rPr lang="en-US" altLang="zh-CN" sz="1600" dirty="0" smtClean="0"/>
+              <a:t>master </a:t>
+            </a:r>
+            <a:r>
+              <a:rPr lang="en-US" altLang="zh-CN" sz="1600" dirty="0" smtClean="0"/>
+              <a:t>data (current phase) </a:t>
+            </a:r>
+            <a:r>
+              <a:rPr lang="en-US" altLang="zh-CN" sz="1600" dirty="0" smtClean="0"/>
+              <a:t>that will be consumed by </a:t>
             </a:r>
             <a:r>
               <a:rPr lang="en-US" altLang="zh-CN" sz="1600" dirty="0" err="1" smtClean="0"/>
@@ -15681,8 +15764,25 @@
             <a:pPr lvl="1"/>
             <a:r>
               <a:rPr lang="en-US" altLang="zh-CN" sz="1600" dirty="0" smtClean="0"/>
-              <a:t>To identify the most popular and stable data transfer protocols in the integration scenario.</a:t>
-            </a:r>
+              <a:t>To </a:t>
+            </a:r>
+            <a:r>
+              <a:rPr lang="en-US" altLang="zh-CN" sz="1600" dirty="0" smtClean="0"/>
+              <a:t>handle</a:t>
+            </a:r>
+            <a:r>
+              <a:rPr lang="en-US" altLang="zh-CN" sz="1600" dirty="0" smtClean="0"/>
+              <a:t> </a:t>
+            </a:r>
+            <a:r>
+              <a:rPr lang="en-US" altLang="zh-CN" sz="1600" dirty="0" smtClean="0"/>
+              <a:t>the most popular and stable data transfer protocols in the integration scenario</a:t>
+            </a:r>
+            <a:r>
+              <a:rPr lang="en-US" altLang="zh-CN" sz="1600" dirty="0" smtClean="0"/>
+              <a:t>.</a:t>
+            </a:r>
+            <a:endParaRPr lang="en-US" altLang="zh-CN" sz="1600" dirty="0" smtClean="0"/>
           </a:p>
           <a:p>
             <a:pPr lvl="1"/>
@@ -15730,8 +15830,13 @@
             <a:pPr lvl="1"/>
             <a:r>
               <a:rPr lang="en-US" altLang="zh-CN" sz="1600" dirty="0" smtClean="0"/>
-              <a:t>The integration approach should be built at product level and can be reused in most of the implement project in the feature.</a:t>
-            </a:r>
+              <a:t>The integration approach should be built at product level and can be reused in most of the implement project in the </a:t>
+            </a:r>
+            <a:r>
+              <a:rPr lang="en-US" altLang="zh-CN" sz="1600" dirty="0" smtClean="0"/>
+              <a:t>future.</a:t>
+            </a:r>
+            <a:endParaRPr lang="en-US" altLang="zh-CN" sz="1600" dirty="0" smtClean="0"/>
           </a:p>
         </p:txBody>
       </p:sp>
@@ -18912,8 +19017,8 @@
         </p:nvSpPr>
         <p:spPr>
           <a:xfrm>
-            <a:off x="3995936" y="1983466"/>
-            <a:ext cx="1008112" cy="2160240"/>
+            <a:off x="3906378" y="1983466"/>
+            <a:ext cx="1182660" cy="2160240"/>
           </a:xfrm>
           <a:prstGeom prst="roundRect">
             <a:avLst/>
@@ -18985,10 +19090,14 @@
           <a:lstStyle/>
           <a:p>
             <a:r>
-              <a:rPr lang="en-US" altLang="zh-CN" sz="1000" dirty="0" smtClean="0"/>
-              <a:t>Front Server</a:t>
-            </a:r>
-            <a:endParaRPr lang="zh-CN" altLang="en-US" sz="1000" dirty="0"/>
+              <a:rPr lang="en-US" altLang="zh-CN" sz="900" dirty="0" smtClean="0"/>
+              <a:t>Integration </a:t>
+            </a:r>
+            <a:r>
+              <a:rPr lang="en-US" altLang="zh-CN" sz="900" dirty="0" smtClean="0"/>
+              <a:t>Server</a:t>
+            </a:r>
+            <a:endParaRPr lang="zh-CN" altLang="en-US" sz="900" dirty="0"/>
           </a:p>
         </p:txBody>
       </p:sp>
@@ -22626,6 +22735,53 @@
           </a:p>
         </p:txBody>
       </p:sp>
+      <p:sp>
+        <p:nvSpPr>
+          <p:cNvPr id="3" name="矩形 2"/>
+          <p:cNvSpPr/>
+          <p:nvPr/>
+        </p:nvSpPr>
+        <p:spPr>
+          <a:xfrm>
+            <a:off x="7491935" y="339502"/>
+            <a:ext cx="1328536" cy="504056"/>
+          </a:xfrm>
+          <a:prstGeom prst="rect">
+            <a:avLst/>
+          </a:prstGeom>
+          <a:solidFill>
+            <a:srgbClr val="FF0000"/>
+          </a:solidFill>
+        </p:spPr>
+        <p:style>
+          <a:lnRef idx="2">
+            <a:schemeClr val="accent1">
+              <a:shade val="50000"/>
+            </a:schemeClr>
+          </a:lnRef>
+          <a:fillRef idx="1">
+            <a:schemeClr val="accent1"/>
+          </a:fillRef>
+          <a:effectRef idx="0">
+            <a:schemeClr val="accent1"/>
+          </a:effectRef>
+          <a:fontRef idx="minor">
+            <a:schemeClr val="lt1"/>
+          </a:fontRef>
+        </p:style>
+        <p:txBody>
+          <a:bodyPr rtlCol="0" anchor="ctr"/>
+          <a:lstStyle/>
+          <a:p>
+            <a:pPr algn="ctr"/>
+            <a:r>
+              <a:rPr lang="en-US" altLang="zh-CN" dirty="0" smtClean="0"/>
+              <a:t>update</a:t>
+            </a:r>
+            <a:endParaRPr lang="zh-CN" altLang="en-US" dirty="0"/>
+          </a:p>
+        </p:txBody>
+      </p:sp>
     </p:spTree>
     <p:extLst>
       <p:ext uri="{BB962C8B-B14F-4D97-AF65-F5344CB8AC3E}">
@@ -22684,7 +22840,15 @@
             </a:r>
             <a:r>
               <a:rPr lang="en-US" altLang="zh-CN" dirty="0" smtClean="0"/>
-              <a:t>Landscape – Front Server</a:t>
+              <a:t>Landscape – </a:t>
+            </a:r>
+            <a:r>
+              <a:rPr lang="en-US" altLang="zh-CN" dirty="0" smtClean="0"/>
+              <a:t>Integration </a:t>
+            </a:r>
+            <a:r>
+              <a:rPr lang="en-US" altLang="zh-CN" dirty="0" smtClean="0"/>
+              <a:t>Server</a:t>
             </a:r>
             <a:endParaRPr lang="zh-CN" altLang="en-US" dirty="0"/>
           </a:p>
@@ -22733,69 +22897,129 @@
           </a:p>
         </p:txBody>
       </p:sp>
+      <p:sp>
+        <p:nvSpPr>
+          <p:cNvPr id="6" name="圆角矩形 5"/>
+          <p:cNvSpPr/>
+          <p:nvPr/>
+        </p:nvSpPr>
+        <p:spPr>
+          <a:xfrm>
+            <a:off x="899592" y="1779662"/>
+            <a:ext cx="1296144" cy="2160240"/>
+          </a:xfrm>
+          <a:prstGeom prst="roundRect">
+            <a:avLst/>
+          </a:prstGeom>
+          <a:gradFill flip="none" rotWithShape="1">
+            <a:gsLst>
+              <a:gs pos="0">
+                <a:schemeClr val="accent2">
+                  <a:lumMod val="40000"/>
+                  <a:lumOff val="60000"/>
+                  <a:shade val="30000"/>
+                  <a:satMod val="115000"/>
+                </a:schemeClr>
+              </a:gs>
+              <a:gs pos="50000">
+                <a:schemeClr val="accent2">
+                  <a:lumMod val="40000"/>
+                  <a:lumOff val="60000"/>
+                  <a:shade val="67500"/>
+                  <a:satMod val="115000"/>
+                </a:schemeClr>
+              </a:gs>
+              <a:gs pos="100000">
+                <a:schemeClr val="accent2">
+                  <a:lumMod val="40000"/>
+                  <a:lumOff val="60000"/>
+                  <a:shade val="100000"/>
+                  <a:satMod val="115000"/>
+                </a:schemeClr>
+              </a:gs>
+            </a:gsLst>
+            <a:lin ang="5400000" scaled="1"/>
+            <a:tileRect/>
+          </a:gradFill>
+          <a:ln>
+            <a:noFill/>
+          </a:ln>
+          <a:effectLst>
+            <a:outerShdw blurRad="50800" dist="38100" algn="l" rotWithShape="0">
+              <a:prstClr val="black">
+                <a:alpha val="40000"/>
+              </a:prstClr>
+            </a:outerShdw>
+          </a:effectLst>
+        </p:spPr>
+        <p:style>
+          <a:lnRef idx="2">
+            <a:schemeClr val="accent1">
+              <a:shade val="50000"/>
+            </a:schemeClr>
+          </a:lnRef>
+          <a:fillRef idx="1">
+            <a:schemeClr val="accent1"/>
+          </a:fillRef>
+          <a:effectRef idx="0">
+            <a:schemeClr val="accent1"/>
+          </a:effectRef>
+          <a:fontRef idx="minor">
+            <a:schemeClr val="lt1"/>
+          </a:fontRef>
+        </p:style>
+        <p:txBody>
+          <a:bodyPr rot="0" spcFirstLastPara="0" vertOverflow="overflow" horzOverflow="overflow" vert="horz" wrap="square" lIns="91440" tIns="45720" rIns="91440" bIns="45720" numCol="1" spcCol="0" rtlCol="0" fromWordArt="0" anchor="t" anchorCtr="0" forceAA="0" compatLnSpc="1">
+            <a:prstTxWarp prst="textNoShape">
+              <a:avLst/>
+            </a:prstTxWarp>
+            <a:noAutofit/>
+          </a:bodyPr>
+          <a:lstStyle/>
+          <a:p>
+            <a:r>
+              <a:rPr lang="en-US" altLang="zh-CN" sz="1000" dirty="0" smtClean="0"/>
+              <a:t>Integration </a:t>
+            </a:r>
+            <a:r>
+              <a:rPr lang="en-US" altLang="zh-CN" sz="1000" dirty="0" smtClean="0"/>
+              <a:t>Server</a:t>
+            </a:r>
+            <a:endParaRPr lang="zh-CN" altLang="en-US" sz="1000" dirty="0"/>
+          </a:p>
+        </p:txBody>
+      </p:sp>
       <p:grpSp>
         <p:nvGrpSpPr>
-          <p:cNvPr id="19" name="组合 18"/>
+          <p:cNvPr id="18" name="组合 17"/>
           <p:cNvGrpSpPr/>
           <p:nvPr/>
         </p:nvGrpSpPr>
         <p:grpSpPr>
           <a:xfrm>
-            <a:off x="1115616" y="1779662"/>
-            <a:ext cx="1008112" cy="2160240"/>
-            <a:chOff x="971600" y="1203598"/>
-            <a:chExt cx="1008112" cy="2160240"/>
+            <a:off x="1151620" y="2169015"/>
+            <a:ext cx="756084" cy="1626871"/>
+            <a:chOff x="2195736" y="1563638"/>
+            <a:chExt cx="756084" cy="1626871"/>
           </a:xfrm>
         </p:grpSpPr>
         <p:sp>
           <p:nvSpPr>
-            <p:cNvPr id="6" name="圆角矩形 5"/>
+            <p:cNvPr id="3" name="矩形 2"/>
             <p:cNvSpPr/>
             <p:nvPr/>
           </p:nvSpPr>
           <p:spPr>
             <a:xfrm>
-              <a:off x="971600" y="1203598"/>
-              <a:ext cx="1008112" cy="2160240"/>
+              <a:off x="2195736" y="1563638"/>
+              <a:ext cx="360040" cy="216024"/>
             </a:xfrm>
-            <a:prstGeom prst="roundRect">
+            <a:prstGeom prst="rect">
               <a:avLst/>
             </a:prstGeom>
-            <a:gradFill flip="none" rotWithShape="1">
-              <a:gsLst>
-                <a:gs pos="0">
-                  <a:schemeClr val="accent2">
-                    <a:lumMod val="40000"/>
-                    <a:lumOff val="60000"/>
-                    <a:shade val="30000"/>
-                    <a:satMod val="115000"/>
-                  </a:schemeClr>
-                </a:gs>
-                <a:gs pos="50000">
-                  <a:schemeClr val="accent2">
-                    <a:lumMod val="40000"/>
-                    <a:lumOff val="60000"/>
-                    <a:shade val="67500"/>
-                    <a:satMod val="115000"/>
-                  </a:schemeClr>
-                </a:gs>
-                <a:gs pos="100000">
-                  <a:schemeClr val="accent2">
-                    <a:lumMod val="40000"/>
-                    <a:lumOff val="60000"/>
-                    <a:shade val="100000"/>
-                    <a:satMod val="115000"/>
-                  </a:schemeClr>
-                </a:gs>
-              </a:gsLst>
-              <a:lin ang="5400000" scaled="1"/>
-              <a:tileRect/>
-            </a:gradFill>
-            <a:ln>
-              <a:noFill/>
-            </a:ln>
+            <a:ln w="3175"/>
             <a:effectLst>
-              <a:outerShdw blurRad="50800" dist="38100" algn="l" rotWithShape="0">
+              <a:outerShdw blurRad="50800" dist="38100" dir="2700000" algn="tl" rotWithShape="0">
                 <a:prstClr val="black">
                   <a:alpha val="40000"/>
                 </a:prstClr>
@@ -22819,613 +23043,542 @@
             </a:fontRef>
           </p:style>
           <p:txBody>
-            <a:bodyPr rot="0" spcFirstLastPara="0" vertOverflow="overflow" horzOverflow="overflow" vert="horz" wrap="square" lIns="91440" tIns="45720" rIns="91440" bIns="45720" numCol="1" spcCol="0" rtlCol="0" fromWordArt="0" anchor="t" anchorCtr="0" forceAA="0" compatLnSpc="1">
-              <a:prstTxWarp prst="textNoShape">
-                <a:avLst/>
-              </a:prstTxWarp>
-              <a:noAutofit/>
-            </a:bodyPr>
+            <a:bodyPr rtlCol="0" anchor="ctr"/>
             <a:lstStyle/>
             <a:p>
-              <a:r>
-                <a:rPr lang="en-US" altLang="zh-CN" sz="1000" dirty="0" smtClean="0"/>
-                <a:t>Front Server</a:t>
-              </a:r>
-              <a:endParaRPr lang="zh-CN" altLang="en-US" sz="1000" dirty="0"/>
+              <a:pPr algn="ctr"/>
+              <a:endParaRPr lang="zh-CN" altLang="en-US"/>
             </a:p>
           </p:txBody>
         </p:sp>
-        <p:grpSp>
-          <p:nvGrpSpPr>
-            <p:cNvPr id="18" name="组合 17"/>
-            <p:cNvGrpSpPr/>
+        <p:sp>
+          <p:nvSpPr>
+            <p:cNvPr id="7" name="矩形 6"/>
+            <p:cNvSpPr/>
             <p:nvPr/>
-          </p:nvGrpSpPr>
-          <p:grpSpPr>
+          </p:nvSpPr>
+          <p:spPr>
             <a:xfrm>
-              <a:off x="1097614" y="1551120"/>
-              <a:ext cx="756084" cy="1626871"/>
-              <a:chOff x="2195736" y="1563638"/>
-              <a:chExt cx="756084" cy="1626871"/>
+              <a:off x="2591780" y="1563638"/>
+              <a:ext cx="360040" cy="216024"/>
             </a:xfrm>
-          </p:grpSpPr>
-          <p:sp>
-            <p:nvSpPr>
-              <p:cNvPr id="3" name="矩形 2"/>
-              <p:cNvSpPr/>
-              <p:nvPr/>
-            </p:nvSpPr>
-            <p:spPr>
-              <a:xfrm>
-                <a:off x="2195736" y="1563638"/>
-                <a:ext cx="360040" cy="216024"/>
-              </a:xfrm>
-              <a:prstGeom prst="rect">
-                <a:avLst/>
-              </a:prstGeom>
-              <a:ln w="3175"/>
-              <a:effectLst>
-                <a:outerShdw blurRad="50800" dist="38100" dir="2700000" algn="tl" rotWithShape="0">
-                  <a:prstClr val="black">
-                    <a:alpha val="40000"/>
-                  </a:prstClr>
-                </a:outerShdw>
-              </a:effectLst>
-            </p:spPr>
-            <p:style>
-              <a:lnRef idx="2">
-                <a:schemeClr val="accent1">
-                  <a:shade val="50000"/>
-                </a:schemeClr>
-              </a:lnRef>
-              <a:fillRef idx="1">
-                <a:schemeClr val="accent1"/>
-              </a:fillRef>
-              <a:effectRef idx="0">
-                <a:schemeClr val="accent1"/>
-              </a:effectRef>
-              <a:fontRef idx="minor">
-                <a:schemeClr val="lt1"/>
-              </a:fontRef>
-            </p:style>
-            <p:txBody>
-              <a:bodyPr rtlCol="0" anchor="ctr"/>
-              <a:lstStyle/>
-              <a:p>
-                <a:pPr algn="ctr"/>
-                <a:endParaRPr lang="zh-CN" altLang="en-US"/>
-              </a:p>
-            </p:txBody>
-          </p:sp>
-          <p:sp>
-            <p:nvSpPr>
-              <p:cNvPr id="7" name="矩形 6"/>
-              <p:cNvSpPr/>
-              <p:nvPr/>
-            </p:nvSpPr>
-            <p:spPr>
-              <a:xfrm>
-                <a:off x="2591780" y="1563638"/>
-                <a:ext cx="360040" cy="216024"/>
-              </a:xfrm>
-              <a:prstGeom prst="rect">
-                <a:avLst/>
-              </a:prstGeom>
-              <a:ln w="3175"/>
-              <a:effectLst>
-                <a:outerShdw blurRad="50800" dist="38100" dir="2700000" algn="tl" rotWithShape="0">
-                  <a:prstClr val="black">
-                    <a:alpha val="40000"/>
-                  </a:prstClr>
-                </a:outerShdw>
-              </a:effectLst>
-            </p:spPr>
-            <p:style>
-              <a:lnRef idx="2">
-                <a:schemeClr val="accent1">
-                  <a:shade val="50000"/>
-                </a:schemeClr>
-              </a:lnRef>
-              <a:fillRef idx="1">
-                <a:schemeClr val="accent1"/>
-              </a:fillRef>
-              <a:effectRef idx="0">
-                <a:schemeClr val="accent1"/>
-              </a:effectRef>
-              <a:fontRef idx="minor">
-                <a:schemeClr val="lt1"/>
-              </a:fontRef>
-            </p:style>
-            <p:txBody>
-              <a:bodyPr rtlCol="0" anchor="ctr"/>
-              <a:lstStyle/>
-              <a:p>
-                <a:pPr algn="ctr"/>
-                <a:endParaRPr lang="zh-CN" altLang="en-US"/>
-              </a:p>
-            </p:txBody>
-          </p:sp>
-          <p:sp>
-            <p:nvSpPr>
-              <p:cNvPr id="8" name="矩形 7"/>
-              <p:cNvSpPr/>
-              <p:nvPr/>
-            </p:nvSpPr>
-            <p:spPr>
-              <a:xfrm>
-                <a:off x="2195736" y="1845807"/>
-                <a:ext cx="360040" cy="216024"/>
-              </a:xfrm>
-              <a:prstGeom prst="rect">
-                <a:avLst/>
-              </a:prstGeom>
-              <a:ln w="3175"/>
-              <a:effectLst>
-                <a:outerShdw blurRad="50800" dist="38100" dir="2700000" algn="tl" rotWithShape="0">
-                  <a:prstClr val="black">
-                    <a:alpha val="40000"/>
-                  </a:prstClr>
-                </a:outerShdw>
-              </a:effectLst>
-            </p:spPr>
-            <p:style>
-              <a:lnRef idx="2">
-                <a:schemeClr val="accent1">
-                  <a:shade val="50000"/>
-                </a:schemeClr>
-              </a:lnRef>
-              <a:fillRef idx="1">
-                <a:schemeClr val="accent1"/>
-              </a:fillRef>
-              <a:effectRef idx="0">
-                <a:schemeClr val="accent1"/>
-              </a:effectRef>
-              <a:fontRef idx="minor">
-                <a:schemeClr val="lt1"/>
-              </a:fontRef>
-            </p:style>
-            <p:txBody>
-              <a:bodyPr rtlCol="0" anchor="ctr"/>
-              <a:lstStyle/>
-              <a:p>
-                <a:pPr algn="ctr"/>
-                <a:endParaRPr lang="zh-CN" altLang="en-US"/>
-              </a:p>
-            </p:txBody>
-          </p:sp>
-          <p:sp>
-            <p:nvSpPr>
-              <p:cNvPr id="9" name="矩形 8"/>
-              <p:cNvSpPr/>
-              <p:nvPr/>
-            </p:nvSpPr>
-            <p:spPr>
-              <a:xfrm>
-                <a:off x="2591780" y="1845807"/>
-                <a:ext cx="360040" cy="216024"/>
-              </a:xfrm>
-              <a:prstGeom prst="rect">
-                <a:avLst/>
-              </a:prstGeom>
-              <a:ln w="3175"/>
-              <a:effectLst>
-                <a:outerShdw blurRad="50800" dist="38100" dir="2700000" algn="tl" rotWithShape="0">
-                  <a:prstClr val="black">
-                    <a:alpha val="40000"/>
-                  </a:prstClr>
-                </a:outerShdw>
-              </a:effectLst>
-            </p:spPr>
-            <p:style>
-              <a:lnRef idx="2">
-                <a:schemeClr val="accent1">
-                  <a:shade val="50000"/>
-                </a:schemeClr>
-              </a:lnRef>
-              <a:fillRef idx="1">
-                <a:schemeClr val="accent1"/>
-              </a:fillRef>
-              <a:effectRef idx="0">
-                <a:schemeClr val="accent1"/>
-              </a:effectRef>
-              <a:fontRef idx="minor">
-                <a:schemeClr val="lt1"/>
-              </a:fontRef>
-            </p:style>
-            <p:txBody>
-              <a:bodyPr rtlCol="0" anchor="ctr"/>
-              <a:lstStyle/>
-              <a:p>
-                <a:pPr algn="ctr"/>
-                <a:endParaRPr lang="zh-CN" altLang="en-US"/>
-              </a:p>
-            </p:txBody>
-          </p:sp>
-          <p:sp>
-            <p:nvSpPr>
-              <p:cNvPr id="10" name="矩形 9"/>
-              <p:cNvSpPr/>
-              <p:nvPr/>
-            </p:nvSpPr>
-            <p:spPr>
-              <a:xfrm>
-                <a:off x="2195736" y="2127976"/>
-                <a:ext cx="360040" cy="216024"/>
-              </a:xfrm>
-              <a:prstGeom prst="rect">
-                <a:avLst/>
-              </a:prstGeom>
-              <a:ln w="3175"/>
-              <a:effectLst>
-                <a:outerShdw blurRad="50800" dist="38100" dir="2700000" algn="tl" rotWithShape="0">
-                  <a:prstClr val="black">
-                    <a:alpha val="40000"/>
-                  </a:prstClr>
-                </a:outerShdw>
-              </a:effectLst>
-            </p:spPr>
-            <p:style>
-              <a:lnRef idx="2">
-                <a:schemeClr val="accent1">
-                  <a:shade val="50000"/>
-                </a:schemeClr>
-              </a:lnRef>
-              <a:fillRef idx="1">
-                <a:schemeClr val="accent1"/>
-              </a:fillRef>
-              <a:effectRef idx="0">
-                <a:schemeClr val="accent1"/>
-              </a:effectRef>
-              <a:fontRef idx="minor">
-                <a:schemeClr val="lt1"/>
-              </a:fontRef>
-            </p:style>
-            <p:txBody>
-              <a:bodyPr rtlCol="0" anchor="ctr"/>
-              <a:lstStyle/>
-              <a:p>
-                <a:pPr algn="ctr"/>
-                <a:endParaRPr lang="zh-CN" altLang="en-US"/>
-              </a:p>
-            </p:txBody>
-          </p:sp>
-          <p:sp>
-            <p:nvSpPr>
-              <p:cNvPr id="11" name="矩形 10"/>
-              <p:cNvSpPr/>
-              <p:nvPr/>
-            </p:nvSpPr>
-            <p:spPr>
-              <a:xfrm>
-                <a:off x="2591780" y="2127976"/>
-                <a:ext cx="360040" cy="216024"/>
-              </a:xfrm>
-              <a:prstGeom prst="rect">
-                <a:avLst/>
-              </a:prstGeom>
-              <a:ln w="3175"/>
-              <a:effectLst>
-                <a:outerShdw blurRad="50800" dist="38100" dir="2700000" algn="tl" rotWithShape="0">
-                  <a:prstClr val="black">
-                    <a:alpha val="40000"/>
-                  </a:prstClr>
-                </a:outerShdw>
-              </a:effectLst>
-            </p:spPr>
-            <p:style>
-              <a:lnRef idx="2">
-                <a:schemeClr val="accent1">
-                  <a:shade val="50000"/>
-                </a:schemeClr>
-              </a:lnRef>
-              <a:fillRef idx="1">
-                <a:schemeClr val="accent1"/>
-              </a:fillRef>
-              <a:effectRef idx="0">
-                <a:schemeClr val="accent1"/>
-              </a:effectRef>
-              <a:fontRef idx="minor">
-                <a:schemeClr val="lt1"/>
-              </a:fontRef>
-            </p:style>
-            <p:txBody>
-              <a:bodyPr rtlCol="0" anchor="ctr"/>
-              <a:lstStyle/>
-              <a:p>
-                <a:pPr algn="ctr"/>
-                <a:endParaRPr lang="zh-CN" altLang="en-US"/>
-              </a:p>
-            </p:txBody>
-          </p:sp>
-          <p:sp>
-            <p:nvSpPr>
-              <p:cNvPr id="12" name="矩形 11"/>
-              <p:cNvSpPr/>
-              <p:nvPr/>
-            </p:nvSpPr>
-            <p:spPr>
-              <a:xfrm>
-                <a:off x="2195736" y="2410145"/>
-                <a:ext cx="360040" cy="216024"/>
-              </a:xfrm>
-              <a:prstGeom prst="rect">
-                <a:avLst/>
-              </a:prstGeom>
-              <a:ln w="3175"/>
-              <a:effectLst>
-                <a:outerShdw blurRad="50800" dist="38100" dir="2700000" algn="tl" rotWithShape="0">
-                  <a:prstClr val="black">
-                    <a:alpha val="40000"/>
-                  </a:prstClr>
-                </a:outerShdw>
-              </a:effectLst>
-            </p:spPr>
-            <p:style>
-              <a:lnRef idx="2">
-                <a:schemeClr val="accent1">
-                  <a:shade val="50000"/>
-                </a:schemeClr>
-              </a:lnRef>
-              <a:fillRef idx="1">
-                <a:schemeClr val="accent1"/>
-              </a:fillRef>
-              <a:effectRef idx="0">
-                <a:schemeClr val="accent1"/>
-              </a:effectRef>
-              <a:fontRef idx="minor">
-                <a:schemeClr val="lt1"/>
-              </a:fontRef>
-            </p:style>
-            <p:txBody>
-              <a:bodyPr rtlCol="0" anchor="ctr"/>
-              <a:lstStyle/>
-              <a:p>
-                <a:pPr algn="ctr"/>
-                <a:endParaRPr lang="zh-CN" altLang="en-US"/>
-              </a:p>
-            </p:txBody>
-          </p:sp>
-          <p:sp>
-            <p:nvSpPr>
-              <p:cNvPr id="13" name="矩形 12"/>
-              <p:cNvSpPr/>
-              <p:nvPr/>
-            </p:nvSpPr>
-            <p:spPr>
-              <a:xfrm>
-                <a:off x="2591780" y="2410145"/>
-                <a:ext cx="360040" cy="216024"/>
-              </a:xfrm>
-              <a:prstGeom prst="rect">
-                <a:avLst/>
-              </a:prstGeom>
-              <a:ln w="3175"/>
-              <a:effectLst>
-                <a:outerShdw blurRad="50800" dist="38100" dir="2700000" algn="tl" rotWithShape="0">
-                  <a:prstClr val="black">
-                    <a:alpha val="40000"/>
-                  </a:prstClr>
-                </a:outerShdw>
-              </a:effectLst>
-            </p:spPr>
-            <p:style>
-              <a:lnRef idx="2">
-                <a:schemeClr val="accent1">
-                  <a:shade val="50000"/>
-                </a:schemeClr>
-              </a:lnRef>
-              <a:fillRef idx="1">
-                <a:schemeClr val="accent1"/>
-              </a:fillRef>
-              <a:effectRef idx="0">
-                <a:schemeClr val="accent1"/>
-              </a:effectRef>
-              <a:fontRef idx="minor">
-                <a:schemeClr val="lt1"/>
-              </a:fontRef>
-            </p:style>
-            <p:txBody>
-              <a:bodyPr rtlCol="0" anchor="ctr"/>
-              <a:lstStyle/>
-              <a:p>
-                <a:pPr algn="ctr"/>
-                <a:endParaRPr lang="zh-CN" altLang="en-US"/>
-              </a:p>
-            </p:txBody>
-          </p:sp>
-          <p:sp>
-            <p:nvSpPr>
-              <p:cNvPr id="14" name="矩形 13"/>
-              <p:cNvSpPr/>
-              <p:nvPr/>
-            </p:nvSpPr>
-            <p:spPr>
-              <a:xfrm>
-                <a:off x="2195736" y="2692314"/>
-                <a:ext cx="360040" cy="216024"/>
-              </a:xfrm>
-              <a:prstGeom prst="rect">
-                <a:avLst/>
-              </a:prstGeom>
-              <a:ln w="3175"/>
-              <a:effectLst>
-                <a:outerShdw blurRad="50800" dist="38100" dir="2700000" algn="tl" rotWithShape="0">
-                  <a:prstClr val="black">
-                    <a:alpha val="40000"/>
-                  </a:prstClr>
-                </a:outerShdw>
-              </a:effectLst>
-            </p:spPr>
-            <p:style>
-              <a:lnRef idx="2">
-                <a:schemeClr val="accent1">
-                  <a:shade val="50000"/>
-                </a:schemeClr>
-              </a:lnRef>
-              <a:fillRef idx="1">
-                <a:schemeClr val="accent1"/>
-              </a:fillRef>
-              <a:effectRef idx="0">
-                <a:schemeClr val="accent1"/>
-              </a:effectRef>
-              <a:fontRef idx="minor">
-                <a:schemeClr val="lt1"/>
-              </a:fontRef>
-            </p:style>
-            <p:txBody>
-              <a:bodyPr rtlCol="0" anchor="ctr"/>
-              <a:lstStyle/>
-              <a:p>
-                <a:pPr algn="ctr"/>
-                <a:endParaRPr lang="zh-CN" altLang="en-US"/>
-              </a:p>
-            </p:txBody>
-          </p:sp>
-          <p:sp>
-            <p:nvSpPr>
-              <p:cNvPr id="15" name="矩形 14"/>
-              <p:cNvSpPr/>
-              <p:nvPr/>
-            </p:nvSpPr>
-            <p:spPr>
-              <a:xfrm>
-                <a:off x="2591780" y="2692314"/>
-                <a:ext cx="360040" cy="216024"/>
-              </a:xfrm>
-              <a:prstGeom prst="rect">
-                <a:avLst/>
-              </a:prstGeom>
-              <a:ln w="3175"/>
-              <a:effectLst>
-                <a:outerShdw blurRad="50800" dist="38100" dir="2700000" algn="tl" rotWithShape="0">
-                  <a:prstClr val="black">
-                    <a:alpha val="40000"/>
-                  </a:prstClr>
-                </a:outerShdw>
-              </a:effectLst>
-            </p:spPr>
-            <p:style>
-              <a:lnRef idx="2">
-                <a:schemeClr val="accent1">
-                  <a:shade val="50000"/>
-                </a:schemeClr>
-              </a:lnRef>
-              <a:fillRef idx="1">
-                <a:schemeClr val="accent1"/>
-              </a:fillRef>
-              <a:effectRef idx="0">
-                <a:schemeClr val="accent1"/>
-              </a:effectRef>
-              <a:fontRef idx="minor">
-                <a:schemeClr val="lt1"/>
-              </a:fontRef>
-            </p:style>
-            <p:txBody>
-              <a:bodyPr rtlCol="0" anchor="ctr"/>
-              <a:lstStyle/>
-              <a:p>
-                <a:pPr algn="ctr"/>
-                <a:endParaRPr lang="zh-CN" altLang="en-US"/>
-              </a:p>
-            </p:txBody>
-          </p:sp>
-          <p:sp>
-            <p:nvSpPr>
-              <p:cNvPr id="16" name="矩形 15"/>
-              <p:cNvSpPr/>
-              <p:nvPr/>
-            </p:nvSpPr>
-            <p:spPr>
-              <a:xfrm>
-                <a:off x="2195736" y="2974485"/>
-                <a:ext cx="360040" cy="216024"/>
-              </a:xfrm>
-              <a:prstGeom prst="rect">
-                <a:avLst/>
-              </a:prstGeom>
-              <a:ln w="3175"/>
-              <a:effectLst>
-                <a:outerShdw blurRad="50800" dist="38100" dir="2700000" algn="tl" rotWithShape="0">
-                  <a:prstClr val="black">
-                    <a:alpha val="40000"/>
-                  </a:prstClr>
-                </a:outerShdw>
-              </a:effectLst>
-            </p:spPr>
-            <p:style>
-              <a:lnRef idx="2">
-                <a:schemeClr val="accent1">
-                  <a:shade val="50000"/>
-                </a:schemeClr>
-              </a:lnRef>
-              <a:fillRef idx="1">
-                <a:schemeClr val="accent1"/>
-              </a:fillRef>
-              <a:effectRef idx="0">
-                <a:schemeClr val="accent1"/>
-              </a:effectRef>
-              <a:fontRef idx="minor">
-                <a:schemeClr val="lt1"/>
-              </a:fontRef>
-            </p:style>
-            <p:txBody>
-              <a:bodyPr rtlCol="0" anchor="ctr"/>
-              <a:lstStyle/>
-              <a:p>
-                <a:pPr algn="ctr"/>
-                <a:endParaRPr lang="zh-CN" altLang="en-US"/>
-              </a:p>
-            </p:txBody>
-          </p:sp>
-          <p:sp>
-            <p:nvSpPr>
-              <p:cNvPr id="17" name="矩形 16"/>
-              <p:cNvSpPr/>
-              <p:nvPr/>
-            </p:nvSpPr>
-            <p:spPr>
-              <a:xfrm>
-                <a:off x="2591780" y="2974485"/>
-                <a:ext cx="360040" cy="216024"/>
-              </a:xfrm>
-              <a:prstGeom prst="rect">
-                <a:avLst/>
-              </a:prstGeom>
-              <a:ln w="3175"/>
-              <a:effectLst>
-                <a:outerShdw blurRad="50800" dist="38100" dir="2700000" algn="tl" rotWithShape="0">
-                  <a:prstClr val="black">
-                    <a:alpha val="40000"/>
-                  </a:prstClr>
-                </a:outerShdw>
-              </a:effectLst>
-            </p:spPr>
-            <p:style>
-              <a:lnRef idx="2">
-                <a:schemeClr val="accent1">
-                  <a:shade val="50000"/>
-                </a:schemeClr>
-              </a:lnRef>
-              <a:fillRef idx="1">
-                <a:schemeClr val="accent1"/>
-              </a:fillRef>
-              <a:effectRef idx="0">
-                <a:schemeClr val="accent1"/>
-              </a:effectRef>
-              <a:fontRef idx="minor">
-                <a:schemeClr val="lt1"/>
-              </a:fontRef>
-            </p:style>
-            <p:txBody>
-              <a:bodyPr rtlCol="0" anchor="ctr"/>
-              <a:lstStyle/>
-              <a:p>
-                <a:pPr algn="ctr"/>
-                <a:endParaRPr lang="zh-CN" altLang="en-US"/>
-              </a:p>
-            </p:txBody>
-          </p:sp>
-        </p:grpSp>
+            <a:prstGeom prst="rect">
+              <a:avLst/>
+            </a:prstGeom>
+            <a:ln w="3175"/>
+            <a:effectLst>
+              <a:outerShdw blurRad="50800" dist="38100" dir="2700000" algn="tl" rotWithShape="0">
+                <a:prstClr val="black">
+                  <a:alpha val="40000"/>
+                </a:prstClr>
+              </a:outerShdw>
+            </a:effectLst>
+          </p:spPr>
+          <p:style>
+            <a:lnRef idx="2">
+              <a:schemeClr val="accent1">
+                <a:shade val="50000"/>
+              </a:schemeClr>
+            </a:lnRef>
+            <a:fillRef idx="1">
+              <a:schemeClr val="accent1"/>
+            </a:fillRef>
+            <a:effectRef idx="0">
+              <a:schemeClr val="accent1"/>
+            </a:effectRef>
+            <a:fontRef idx="minor">
+              <a:schemeClr val="lt1"/>
+            </a:fontRef>
+          </p:style>
+          <p:txBody>
+            <a:bodyPr rtlCol="0" anchor="ctr"/>
+            <a:lstStyle/>
+            <a:p>
+              <a:pPr algn="ctr"/>
+              <a:endParaRPr lang="zh-CN" altLang="en-US"/>
+            </a:p>
+          </p:txBody>
+        </p:sp>
+        <p:sp>
+          <p:nvSpPr>
+            <p:cNvPr id="8" name="矩形 7"/>
+            <p:cNvSpPr/>
+            <p:nvPr/>
+          </p:nvSpPr>
+          <p:spPr>
+            <a:xfrm>
+              <a:off x="2195736" y="1845807"/>
+              <a:ext cx="360040" cy="216024"/>
+            </a:xfrm>
+            <a:prstGeom prst="rect">
+              <a:avLst/>
+            </a:prstGeom>
+            <a:ln w="3175"/>
+            <a:effectLst>
+              <a:outerShdw blurRad="50800" dist="38100" dir="2700000" algn="tl" rotWithShape="0">
+                <a:prstClr val="black">
+                  <a:alpha val="40000"/>
+                </a:prstClr>
+              </a:outerShdw>
+            </a:effectLst>
+          </p:spPr>
+          <p:style>
+            <a:lnRef idx="2">
+              <a:schemeClr val="accent1">
+                <a:shade val="50000"/>
+              </a:schemeClr>
+            </a:lnRef>
+            <a:fillRef idx="1">
+              <a:schemeClr val="accent1"/>
+            </a:fillRef>
+            <a:effectRef idx="0">
+              <a:schemeClr val="accent1"/>
+            </a:effectRef>
+            <a:fontRef idx="minor">
+              <a:schemeClr val="lt1"/>
+            </a:fontRef>
+          </p:style>
+          <p:txBody>
+            <a:bodyPr rtlCol="0" anchor="ctr"/>
+            <a:lstStyle/>
+            <a:p>
+              <a:pPr algn="ctr"/>
+              <a:endParaRPr lang="zh-CN" altLang="en-US"/>
+            </a:p>
+          </p:txBody>
+        </p:sp>
+        <p:sp>
+          <p:nvSpPr>
+            <p:cNvPr id="9" name="矩形 8"/>
+            <p:cNvSpPr/>
+            <p:nvPr/>
+          </p:nvSpPr>
+          <p:spPr>
+            <a:xfrm>
+              <a:off x="2591780" y="1845807"/>
+              <a:ext cx="360040" cy="216024"/>
+            </a:xfrm>
+            <a:prstGeom prst="rect">
+              <a:avLst/>
+            </a:prstGeom>
+            <a:ln w="3175"/>
+            <a:effectLst>
+              <a:outerShdw blurRad="50800" dist="38100" dir="2700000" algn="tl" rotWithShape="0">
+                <a:prstClr val="black">
+                  <a:alpha val="40000"/>
+                </a:prstClr>
+              </a:outerShdw>
+            </a:effectLst>
+          </p:spPr>
+          <p:style>
+            <a:lnRef idx="2">
+              <a:schemeClr val="accent1">
+                <a:shade val="50000"/>
+              </a:schemeClr>
+            </a:lnRef>
+            <a:fillRef idx="1">
+              <a:schemeClr val="accent1"/>
+            </a:fillRef>
+            <a:effectRef idx="0">
+              <a:schemeClr val="accent1"/>
+            </a:effectRef>
+            <a:fontRef idx="minor">
+              <a:schemeClr val="lt1"/>
+            </a:fontRef>
+          </p:style>
+          <p:txBody>
+            <a:bodyPr rtlCol="0" anchor="ctr"/>
+            <a:lstStyle/>
+            <a:p>
+              <a:pPr algn="ctr"/>
+              <a:endParaRPr lang="zh-CN" altLang="en-US"/>
+            </a:p>
+          </p:txBody>
+        </p:sp>
+        <p:sp>
+          <p:nvSpPr>
+            <p:cNvPr id="10" name="矩形 9"/>
+            <p:cNvSpPr/>
+            <p:nvPr/>
+          </p:nvSpPr>
+          <p:spPr>
+            <a:xfrm>
+              <a:off x="2195736" y="2127976"/>
+              <a:ext cx="360040" cy="216024"/>
+            </a:xfrm>
+            <a:prstGeom prst="rect">
+              <a:avLst/>
+            </a:prstGeom>
+            <a:ln w="3175"/>
+            <a:effectLst>
+              <a:outerShdw blurRad="50800" dist="38100" dir="2700000" algn="tl" rotWithShape="0">
+                <a:prstClr val="black">
+                  <a:alpha val="40000"/>
+                </a:prstClr>
+              </a:outerShdw>
+            </a:effectLst>
+          </p:spPr>
+          <p:style>
+            <a:lnRef idx="2">
+              <a:schemeClr val="accent1">
+                <a:shade val="50000"/>
+              </a:schemeClr>
+            </a:lnRef>
+            <a:fillRef idx="1">
+              <a:schemeClr val="accent1"/>
+            </a:fillRef>
+            <a:effectRef idx="0">
+              <a:schemeClr val="accent1"/>
+            </a:effectRef>
+            <a:fontRef idx="minor">
+              <a:schemeClr val="lt1"/>
+            </a:fontRef>
+          </p:style>
+          <p:txBody>
+            <a:bodyPr rtlCol="0" anchor="ctr"/>
+            <a:lstStyle/>
+            <a:p>
+              <a:pPr algn="ctr"/>
+              <a:endParaRPr lang="zh-CN" altLang="en-US"/>
+            </a:p>
+          </p:txBody>
+        </p:sp>
+        <p:sp>
+          <p:nvSpPr>
+            <p:cNvPr id="11" name="矩形 10"/>
+            <p:cNvSpPr/>
+            <p:nvPr/>
+          </p:nvSpPr>
+          <p:spPr>
+            <a:xfrm>
+              <a:off x="2591780" y="2127976"/>
+              <a:ext cx="360040" cy="216024"/>
+            </a:xfrm>
+            <a:prstGeom prst="rect">
+              <a:avLst/>
+            </a:prstGeom>
+            <a:ln w="3175"/>
+            <a:effectLst>
+              <a:outerShdw blurRad="50800" dist="38100" dir="2700000" algn="tl" rotWithShape="0">
+                <a:prstClr val="black">
+                  <a:alpha val="40000"/>
+                </a:prstClr>
+              </a:outerShdw>
+            </a:effectLst>
+          </p:spPr>
+          <p:style>
+            <a:lnRef idx="2">
+              <a:schemeClr val="accent1">
+                <a:shade val="50000"/>
+              </a:schemeClr>
+            </a:lnRef>
+            <a:fillRef idx="1">
+              <a:schemeClr val="accent1"/>
+            </a:fillRef>
+            <a:effectRef idx="0">
+              <a:schemeClr val="accent1"/>
+            </a:effectRef>
+            <a:fontRef idx="minor">
+              <a:schemeClr val="lt1"/>
+            </a:fontRef>
+          </p:style>
+          <p:txBody>
+            <a:bodyPr rtlCol="0" anchor="ctr"/>
+            <a:lstStyle/>
+            <a:p>
+              <a:pPr algn="ctr"/>
+              <a:endParaRPr lang="zh-CN" altLang="en-US"/>
+            </a:p>
+          </p:txBody>
+        </p:sp>
+        <p:sp>
+          <p:nvSpPr>
+            <p:cNvPr id="12" name="矩形 11"/>
+            <p:cNvSpPr/>
+            <p:nvPr/>
+          </p:nvSpPr>
+          <p:spPr>
+            <a:xfrm>
+              <a:off x="2195736" y="2410145"/>
+              <a:ext cx="360040" cy="216024"/>
+            </a:xfrm>
+            <a:prstGeom prst="rect">
+              <a:avLst/>
+            </a:prstGeom>
+            <a:ln w="3175"/>
+            <a:effectLst>
+              <a:outerShdw blurRad="50800" dist="38100" dir="2700000" algn="tl" rotWithShape="0">
+                <a:prstClr val="black">
+                  <a:alpha val="40000"/>
+                </a:prstClr>
+              </a:outerShdw>
+            </a:effectLst>
+          </p:spPr>
+          <p:style>
+            <a:lnRef idx="2">
+              <a:schemeClr val="accent1">
+                <a:shade val="50000"/>
+              </a:schemeClr>
+            </a:lnRef>
+            <a:fillRef idx="1">
+              <a:schemeClr val="accent1"/>
+            </a:fillRef>
+            <a:effectRef idx="0">
+              <a:schemeClr val="accent1"/>
+            </a:effectRef>
+            <a:fontRef idx="minor">
+              <a:schemeClr val="lt1"/>
+            </a:fontRef>
+          </p:style>
+          <p:txBody>
+            <a:bodyPr rtlCol="0" anchor="ctr"/>
+            <a:lstStyle/>
+            <a:p>
+              <a:pPr algn="ctr"/>
+              <a:endParaRPr lang="zh-CN" altLang="en-US"/>
+            </a:p>
+          </p:txBody>
+        </p:sp>
+        <p:sp>
+          <p:nvSpPr>
+            <p:cNvPr id="13" name="矩形 12"/>
+            <p:cNvSpPr/>
+            <p:nvPr/>
+          </p:nvSpPr>
+          <p:spPr>
+            <a:xfrm>
+              <a:off x="2591780" y="2410145"/>
+              <a:ext cx="360040" cy="216024"/>
+            </a:xfrm>
+            <a:prstGeom prst="rect">
+              <a:avLst/>
+            </a:prstGeom>
+            <a:ln w="3175"/>
+            <a:effectLst>
+              <a:outerShdw blurRad="50800" dist="38100" dir="2700000" algn="tl" rotWithShape="0">
+                <a:prstClr val="black">
+                  <a:alpha val="40000"/>
+                </a:prstClr>
+              </a:outerShdw>
+            </a:effectLst>
+          </p:spPr>
+          <p:style>
+            <a:lnRef idx="2">
+              <a:schemeClr val="accent1">
+                <a:shade val="50000"/>
+              </a:schemeClr>
+            </a:lnRef>
+            <a:fillRef idx="1">
+              <a:schemeClr val="accent1"/>
+            </a:fillRef>
+            <a:effectRef idx="0">
+              <a:schemeClr val="accent1"/>
+            </a:effectRef>
+            <a:fontRef idx="minor">
+              <a:schemeClr val="lt1"/>
+            </a:fontRef>
+          </p:style>
+          <p:txBody>
+            <a:bodyPr rtlCol="0" anchor="ctr"/>
+            <a:lstStyle/>
+            <a:p>
+              <a:pPr algn="ctr"/>
+              <a:endParaRPr lang="zh-CN" altLang="en-US"/>
+            </a:p>
+          </p:txBody>
+        </p:sp>
+        <p:sp>
+          <p:nvSpPr>
+            <p:cNvPr id="14" name="矩形 13"/>
+            <p:cNvSpPr/>
+            <p:nvPr/>
+          </p:nvSpPr>
+          <p:spPr>
+            <a:xfrm>
+              <a:off x="2195736" y="2692314"/>
+              <a:ext cx="360040" cy="216024"/>
+            </a:xfrm>
+            <a:prstGeom prst="rect">
+              <a:avLst/>
+            </a:prstGeom>
+            <a:ln w="3175"/>
+            <a:effectLst>
+              <a:outerShdw blurRad="50800" dist="38100" dir="2700000" algn="tl" rotWithShape="0">
+                <a:prstClr val="black">
+                  <a:alpha val="40000"/>
+                </a:prstClr>
+              </a:outerShdw>
+            </a:effectLst>
+          </p:spPr>
+          <p:style>
+            <a:lnRef idx="2">
+              <a:schemeClr val="accent1">
+                <a:shade val="50000"/>
+              </a:schemeClr>
+            </a:lnRef>
+            <a:fillRef idx="1">
+              <a:schemeClr val="accent1"/>
+            </a:fillRef>
+            <a:effectRef idx="0">
+              <a:schemeClr val="accent1"/>
+            </a:effectRef>
+            <a:fontRef idx="minor">
+              <a:schemeClr val="lt1"/>
+            </a:fontRef>
+          </p:style>
+          <p:txBody>
+            <a:bodyPr rtlCol="0" anchor="ctr"/>
+            <a:lstStyle/>
+            <a:p>
+              <a:pPr algn="ctr"/>
+              <a:endParaRPr lang="zh-CN" altLang="en-US"/>
+            </a:p>
+          </p:txBody>
+        </p:sp>
+        <p:sp>
+          <p:nvSpPr>
+            <p:cNvPr id="15" name="矩形 14"/>
+            <p:cNvSpPr/>
+            <p:nvPr/>
+          </p:nvSpPr>
+          <p:spPr>
+            <a:xfrm>
+              <a:off x="2591780" y="2692314"/>
+              <a:ext cx="360040" cy="216024"/>
+            </a:xfrm>
+            <a:prstGeom prst="rect">
+              <a:avLst/>
+            </a:prstGeom>
+            <a:ln w="3175"/>
+            <a:effectLst>
+              <a:outerShdw blurRad="50800" dist="38100" dir="2700000" algn="tl" rotWithShape="0">
+                <a:prstClr val="black">
+                  <a:alpha val="40000"/>
+                </a:prstClr>
+              </a:outerShdw>
+            </a:effectLst>
+          </p:spPr>
+          <p:style>
+            <a:lnRef idx="2">
+              <a:schemeClr val="accent1">
+                <a:shade val="50000"/>
+              </a:schemeClr>
+            </a:lnRef>
+            <a:fillRef idx="1">
+              <a:schemeClr val="accent1"/>
+            </a:fillRef>
+            <a:effectRef idx="0">
+              <a:schemeClr val="accent1"/>
+            </a:effectRef>
+            <a:fontRef idx="minor">
+              <a:schemeClr val="lt1"/>
+            </a:fontRef>
+          </p:style>
+          <p:txBody>
+            <a:bodyPr rtlCol="0" anchor="ctr"/>
+            <a:lstStyle/>
+            <a:p>
+              <a:pPr algn="ctr"/>
+              <a:endParaRPr lang="zh-CN" altLang="en-US"/>
+            </a:p>
+          </p:txBody>
+        </p:sp>
+        <p:sp>
+          <p:nvSpPr>
+            <p:cNvPr id="16" name="矩形 15"/>
+            <p:cNvSpPr/>
+            <p:nvPr/>
+          </p:nvSpPr>
+          <p:spPr>
+            <a:xfrm>
+              <a:off x="2195736" y="2974485"/>
+              <a:ext cx="360040" cy="216024"/>
+            </a:xfrm>
+            <a:prstGeom prst="rect">
+              <a:avLst/>
+            </a:prstGeom>
+            <a:ln w="3175"/>
+            <a:effectLst>
+              <a:outerShdw blurRad="50800" dist="38100" dir="2700000" algn="tl" rotWithShape="0">
+                <a:prstClr val="black">
+                  <a:alpha val="40000"/>
+                </a:prstClr>
+              </a:outerShdw>
+            </a:effectLst>
+          </p:spPr>
+          <p:style>
+            <a:lnRef idx="2">
+              <a:schemeClr val="accent1">
+                <a:shade val="50000"/>
+              </a:schemeClr>
+            </a:lnRef>
+            <a:fillRef idx="1">
+              <a:schemeClr val="accent1"/>
+            </a:fillRef>
+            <a:effectRef idx="0">
+              <a:schemeClr val="accent1"/>
+            </a:effectRef>
+            <a:fontRef idx="minor">
+              <a:schemeClr val="lt1"/>
+            </a:fontRef>
+          </p:style>
+          <p:txBody>
+            <a:bodyPr rtlCol="0" anchor="ctr"/>
+            <a:lstStyle/>
+            <a:p>
+              <a:pPr algn="ctr"/>
+              <a:endParaRPr lang="zh-CN" altLang="en-US"/>
+            </a:p>
+          </p:txBody>
+        </p:sp>
+        <p:sp>
+          <p:nvSpPr>
+            <p:cNvPr id="17" name="矩形 16"/>
+            <p:cNvSpPr/>
+            <p:nvPr/>
+          </p:nvSpPr>
+          <p:spPr>
+            <a:xfrm>
+              <a:off x="2591780" y="2974485"/>
+              <a:ext cx="360040" cy="216024"/>
+            </a:xfrm>
+            <a:prstGeom prst="rect">
+              <a:avLst/>
+            </a:prstGeom>
+            <a:ln w="3175"/>
+            <a:effectLst>
+              <a:outerShdw blurRad="50800" dist="38100" dir="2700000" algn="tl" rotWithShape="0">
+                <a:prstClr val="black">
+                  <a:alpha val="40000"/>
+                </a:prstClr>
+              </a:outerShdw>
+            </a:effectLst>
+          </p:spPr>
+          <p:style>
+            <a:lnRef idx="2">
+              <a:schemeClr val="accent1">
+                <a:shade val="50000"/>
+              </a:schemeClr>
+            </a:lnRef>
+            <a:fillRef idx="1">
+              <a:schemeClr val="accent1"/>
+            </a:fillRef>
+            <a:effectRef idx="0">
+              <a:schemeClr val="accent1"/>
+            </a:effectRef>
+            <a:fontRef idx="minor">
+              <a:schemeClr val="lt1"/>
+            </a:fontRef>
+          </p:style>
+          <p:txBody>
+            <a:bodyPr rtlCol="0" anchor="ctr"/>
+            <a:lstStyle/>
+            <a:p>
+              <a:pPr algn="ctr"/>
+              <a:endParaRPr lang="zh-CN" altLang="en-US"/>
+            </a:p>
+          </p:txBody>
+        </p:sp>
       </p:grpSp>
       <p:sp>
         <p:nvSpPr>
@@ -23473,7 +23626,7 @@
         </p:nvSpPr>
         <p:spPr>
           <a:xfrm>
-            <a:off x="2699792" y="1090503"/>
+            <a:off x="2609782" y="1170351"/>
             <a:ext cx="5760640" cy="3554819"/>
           </a:xfrm>
           <a:prstGeom prst="rect">
@@ -23598,9 +23751,26 @@
               <a:buAutoNum type="arabicPeriod"/>
             </a:pPr>
             <a:r>
-              <a:rPr lang="en-US" altLang="zh-CN" sz="1600" dirty="0" smtClean="0"/>
-              <a:t>Secured approach is built inside (using public key and private key)</a:t>
-            </a:r>
+              <a:rPr lang="en-US" altLang="zh-CN" sz="1600" dirty="0" smtClean="0">
+                <a:solidFill>
+                  <a:srgbClr val="FF0000"/>
+                </a:solidFill>
+              </a:rPr>
+              <a:t>Secured approach is built </a:t>
+            </a:r>
+            <a:r>
+              <a:rPr lang="en-US" altLang="zh-CN" sz="1600" dirty="0" smtClean="0">
+                <a:solidFill>
+                  <a:srgbClr val="FF0000"/>
+                </a:solidFill>
+              </a:rPr>
+              <a:t>inside.</a:t>
+            </a:r>
+            <a:endParaRPr lang="en-US" altLang="zh-CN" sz="1600" dirty="0" smtClean="0">
+              <a:solidFill>
+                <a:srgbClr val="FF0000"/>
+              </a:solidFill>
+            </a:endParaRPr>
           </a:p>
           <a:p>
             <a:pPr marL="342900" indent="-342900">
@@ -23608,8 +23778,35 @@
             </a:pPr>
             <a:r>
               <a:rPr lang="en-US" altLang="zh-CN" sz="1600" dirty="0" smtClean="0"/>
-              <a:t>Friendly UI is provided to customer users.</a:t>
-            </a:r>
+              <a:t>Provide </a:t>
+            </a:r>
+            <a:r>
+              <a:rPr lang="en-US" altLang="zh-CN" sz="1600" dirty="0"/>
+              <a:t>dashboard to view integration </a:t>
+            </a:r>
+            <a:r>
+              <a:rPr lang="en-US" altLang="zh-CN" sz="1600" dirty="0" smtClean="0"/>
+              <a:t>transactions.</a:t>
+            </a:r>
+            <a:endParaRPr lang="en-US" altLang="zh-CN" sz="1600" dirty="0"/>
+          </a:p>
+          <a:p>
+            <a:pPr marL="342900" indent="-342900">
+              <a:buAutoNum type="arabicPeriod"/>
+            </a:pPr>
+            <a:r>
+              <a:rPr lang="en-US" altLang="zh-CN" sz="1600" dirty="0" smtClean="0"/>
+              <a:t>Support </a:t>
+            </a:r>
+            <a:r>
+              <a:rPr lang="en-US" altLang="zh-CN" sz="1600" dirty="0"/>
+              <a:t>manually interaction to handle </a:t>
+            </a:r>
+            <a:r>
+              <a:rPr lang="en-US" altLang="zh-CN" sz="1600" dirty="0" smtClean="0"/>
+              <a:t>exceptions.</a:t>
+            </a:r>
+            <a:endParaRPr lang="en-US" altLang="zh-CN" sz="1600" dirty="0"/>
           </a:p>
         </p:txBody>
       </p:sp>
